--- a/Presentazione Progetto.pptx
+++ b/Presentazione Progetto.pptx
@@ -106,6 +106,11 @@
       </a:defRPr>
     </a:lvl9pPr>
   </p:defaultTextStyle>
+  <p:extLst>
+    <p:ext uri="{EFAFB233-063F-42B5-8137-9DF3F51BA10A}">
+      <p15:sldGuideLst xmlns:p15="http://schemas.microsoft.com/office/powerpoint/2012/main"/>
+    </p:ext>
+  </p:extLst>
 </p:presentation>
 </file>
 
@@ -1061,6 +1066,13 @@
         </dgm:presLayoutVars>
       </dgm:prSet>
       <dgm:spPr/>
+      <dgm:t>
+        <a:bodyPr/>
+        <a:lstStyle/>
+        <a:p>
+          <a:endParaRPr lang="it-IT"/>
+        </a:p>
+      </dgm:t>
     </dgm:pt>
     <dgm:pt modelId="{AF97EB19-15C9-446D-B1D5-43C18DE6EF0F}" type="pres">
       <dgm:prSet presAssocID="{6E755720-2835-4702-AAB6-AD565358C953}" presName="parentText" presStyleLbl="node1" presStyleIdx="0" presStyleCnt="4">
@@ -1070,6 +1082,13 @@
         </dgm:presLayoutVars>
       </dgm:prSet>
       <dgm:spPr/>
+      <dgm:t>
+        <a:bodyPr/>
+        <a:lstStyle/>
+        <a:p>
+          <a:endParaRPr lang="it-IT"/>
+        </a:p>
+      </dgm:t>
     </dgm:pt>
     <dgm:pt modelId="{8BCE6D1B-E75D-475D-BC11-E8C51400240D}" type="pres">
       <dgm:prSet presAssocID="{DC14BF42-8C30-4E27-B38B-E27A149A7AF9}" presName="spacer" presStyleCnt="0"/>
@@ -1083,6 +1102,13 @@
         </dgm:presLayoutVars>
       </dgm:prSet>
       <dgm:spPr/>
+      <dgm:t>
+        <a:bodyPr/>
+        <a:lstStyle/>
+        <a:p>
+          <a:endParaRPr lang="it-IT"/>
+        </a:p>
+      </dgm:t>
     </dgm:pt>
     <dgm:pt modelId="{178CCBA9-391F-43C3-9B79-F7C815750EC6}" type="pres">
       <dgm:prSet presAssocID="{ED811BC1-B5A6-4D3E-AC21-0C2D85DC8072}" presName="spacer" presStyleCnt="0"/>
@@ -1096,6 +1122,13 @@
         </dgm:presLayoutVars>
       </dgm:prSet>
       <dgm:spPr/>
+      <dgm:t>
+        <a:bodyPr/>
+        <a:lstStyle/>
+        <a:p>
+          <a:endParaRPr lang="it-IT"/>
+        </a:p>
+      </dgm:t>
     </dgm:pt>
     <dgm:pt modelId="{06110FA5-46F6-46E3-BE3A-06D81DB1BDA3}" type="pres">
       <dgm:prSet presAssocID="{2549E1B0-8768-49FA-83CD-3A6A8E45CD13}" presName="spacer" presStyleCnt="0"/>
@@ -1109,18 +1142,25 @@
         </dgm:presLayoutVars>
       </dgm:prSet>
       <dgm:spPr/>
+      <dgm:t>
+        <a:bodyPr/>
+        <a:lstStyle/>
+        <a:p>
+          <a:endParaRPr lang="it-IT"/>
+        </a:p>
+      </dgm:t>
     </dgm:pt>
   </dgm:ptLst>
   <dgm:cxnLst>
+    <dgm:cxn modelId="{04E87B0D-9335-41C0-9927-E6C10FA79284}" srcId="{7865F8AB-142E-40D5-8A3B-92F65EBF62A9}" destId="{0EA20557-4006-4FF7-84F5-ED37E0781959}" srcOrd="1" destOrd="0" parTransId="{967B6B3B-CD4D-4E7D-AA68-B3AB13067616}" sibTransId="{ED811BC1-B5A6-4D3E-AC21-0C2D85DC8072}"/>
+    <dgm:cxn modelId="{76DDFDA8-A5F1-4043-9FF5-BB209CC52A3B}" type="presOf" srcId="{7865F8AB-142E-40D5-8A3B-92F65EBF62A9}" destId="{3DA835E6-62E5-4216-B413-82138FAB8598}" srcOrd="0" destOrd="0" presId="urn:microsoft.com/office/officeart/2005/8/layout/vList2"/>
+    <dgm:cxn modelId="{7CDD1793-9388-4873-BC9F-74267BB12047}" type="presOf" srcId="{6E755720-2835-4702-AAB6-AD565358C953}" destId="{AF97EB19-15C9-446D-B1D5-43C18DE6EF0F}" srcOrd="0" destOrd="0" presId="urn:microsoft.com/office/officeart/2005/8/layout/vList2"/>
+    <dgm:cxn modelId="{BABCC7EC-9D75-49D4-B151-3E6798421B6D}" type="presOf" srcId="{0EA20557-4006-4FF7-84F5-ED37E0781959}" destId="{D8878C59-FD4A-4CD0-8FDA-83F9A2B97833}" srcOrd="0" destOrd="0" presId="urn:microsoft.com/office/officeart/2005/8/layout/vList2"/>
+    <dgm:cxn modelId="{F4BAE0BD-D66A-4707-B225-1BE9A17D0C9D}" srcId="{7865F8AB-142E-40D5-8A3B-92F65EBF62A9}" destId="{6E755720-2835-4702-AAB6-AD565358C953}" srcOrd="0" destOrd="0" parTransId="{333B07C2-5AEE-4704-BF83-AC19613137E2}" sibTransId="{DC14BF42-8C30-4E27-B38B-E27A149A7AF9}"/>
     <dgm:cxn modelId="{46D8D600-1524-4ED5-BC23-69AE1FD8C8C0}" type="presOf" srcId="{C945D846-BF7B-4242-8FA8-007C20F3E87A}" destId="{B24B900C-9520-4E89-B249-085A1F00456B}" srcOrd="0" destOrd="0" presId="urn:microsoft.com/office/officeart/2005/8/layout/vList2"/>
-    <dgm:cxn modelId="{04E87B0D-9335-41C0-9927-E6C10FA79284}" srcId="{7865F8AB-142E-40D5-8A3B-92F65EBF62A9}" destId="{0EA20557-4006-4FF7-84F5-ED37E0781959}" srcOrd="1" destOrd="0" parTransId="{967B6B3B-CD4D-4E7D-AA68-B3AB13067616}" sibTransId="{ED811BC1-B5A6-4D3E-AC21-0C2D85DC8072}"/>
+    <dgm:cxn modelId="{120D83E0-BB59-4207-A40B-70E64F06091D}" srcId="{7865F8AB-142E-40D5-8A3B-92F65EBF62A9}" destId="{C945D846-BF7B-4242-8FA8-007C20F3E87A}" srcOrd="3" destOrd="0" parTransId="{A001C5C3-7441-454B-805E-3FDB87D3C568}" sibTransId="{AE823769-5DC8-45A5-A3BA-5388FC00E51A}"/>
     <dgm:cxn modelId="{46E8F27C-4F9C-4E5E-834B-92AAAF233422}" type="presOf" srcId="{81E6EA76-3B82-4E33-8233-4C0F5BAA577E}" destId="{8B3F6BA1-755C-43CF-85C5-0B0EF954E288}" srcOrd="0" destOrd="0" presId="urn:microsoft.com/office/officeart/2005/8/layout/vList2"/>
-    <dgm:cxn modelId="{7CDD1793-9388-4873-BC9F-74267BB12047}" type="presOf" srcId="{6E755720-2835-4702-AAB6-AD565358C953}" destId="{AF97EB19-15C9-446D-B1D5-43C18DE6EF0F}" srcOrd="0" destOrd="0" presId="urn:microsoft.com/office/officeart/2005/8/layout/vList2"/>
-    <dgm:cxn modelId="{76DDFDA8-A5F1-4043-9FF5-BB209CC52A3B}" type="presOf" srcId="{7865F8AB-142E-40D5-8A3B-92F65EBF62A9}" destId="{3DA835E6-62E5-4216-B413-82138FAB8598}" srcOrd="0" destOrd="0" presId="urn:microsoft.com/office/officeart/2005/8/layout/vList2"/>
-    <dgm:cxn modelId="{F4BAE0BD-D66A-4707-B225-1BE9A17D0C9D}" srcId="{7865F8AB-142E-40D5-8A3B-92F65EBF62A9}" destId="{6E755720-2835-4702-AAB6-AD565358C953}" srcOrd="0" destOrd="0" parTransId="{333B07C2-5AEE-4704-BF83-AC19613137E2}" sibTransId="{DC14BF42-8C30-4E27-B38B-E27A149A7AF9}"/>
     <dgm:cxn modelId="{AD2EABD9-C2F2-4ED2-9AD5-35779334074A}" srcId="{7865F8AB-142E-40D5-8A3B-92F65EBF62A9}" destId="{81E6EA76-3B82-4E33-8233-4C0F5BAA577E}" srcOrd="2" destOrd="0" parTransId="{4E45F271-42CD-4F4E-9EFE-274BFDC6331F}" sibTransId="{2549E1B0-8768-49FA-83CD-3A6A8E45CD13}"/>
-    <dgm:cxn modelId="{120D83E0-BB59-4207-A40B-70E64F06091D}" srcId="{7865F8AB-142E-40D5-8A3B-92F65EBF62A9}" destId="{C945D846-BF7B-4242-8FA8-007C20F3E87A}" srcOrd="3" destOrd="0" parTransId="{A001C5C3-7441-454B-805E-3FDB87D3C568}" sibTransId="{AE823769-5DC8-45A5-A3BA-5388FC00E51A}"/>
-    <dgm:cxn modelId="{BABCC7EC-9D75-49D4-B151-3E6798421B6D}" type="presOf" srcId="{0EA20557-4006-4FF7-84F5-ED37E0781959}" destId="{D8878C59-FD4A-4CD0-8FDA-83F9A2B97833}" srcOrd="0" destOrd="0" presId="urn:microsoft.com/office/officeart/2005/8/layout/vList2"/>
     <dgm:cxn modelId="{7626BE94-ABBA-446A-B583-29F51562B1AD}" type="presParOf" srcId="{3DA835E6-62E5-4216-B413-82138FAB8598}" destId="{AF97EB19-15C9-446D-B1D5-43C18DE6EF0F}" srcOrd="0" destOrd="0" presId="urn:microsoft.com/office/officeart/2005/8/layout/vList2"/>
     <dgm:cxn modelId="{965987CE-5233-409C-9952-E2809C472EB6}" type="presParOf" srcId="{3DA835E6-62E5-4216-B413-82138FAB8598}" destId="{8BCE6D1B-E75D-475D-BC11-E8C51400240D}" srcOrd="1" destOrd="0" presId="urn:microsoft.com/office/officeart/2005/8/layout/vList2"/>
     <dgm:cxn modelId="{49216E72-84C7-4165-930D-72158915C0F2}" type="presParOf" srcId="{3DA835E6-62E5-4216-B413-82138FAB8598}" destId="{D8878C59-FD4A-4CD0-8FDA-83F9A2B97833}" srcOrd="2" destOrd="0" presId="urn:microsoft.com/office/officeart/2005/8/layout/vList2"/>
@@ -1154,8 +1194,8 @@
       </dsp:nvSpPr>
       <dsp:spPr>
         <a:xfrm>
-          <a:off x="0" y="858706"/>
-          <a:ext cx="6245265" cy="918303"/>
+          <a:off x="0" y="756173"/>
+          <a:ext cx="6245265" cy="965250"/>
         </a:xfrm>
         <a:prstGeom prst="roundRect">
           <a:avLst/>
@@ -1197,12 +1237,12 @@
         </a:fontRef>
       </dsp:style>
       <dsp:txBody>
-        <a:bodyPr spcFirstLastPara="0" vert="horz" wrap="square" lIns="87630" tIns="87630" rIns="87630" bIns="87630" numCol="1" spcCol="1270" anchor="ctr" anchorCtr="0">
+        <a:bodyPr spcFirstLastPara="0" vert="horz" wrap="square" lIns="95250" tIns="95250" rIns="95250" bIns="95250" numCol="1" spcCol="1270" anchor="ctr" anchorCtr="0">
           <a:noAutofit/>
         </a:bodyPr>
         <a:lstStyle/>
         <a:p>
-          <a:pPr marL="0" lvl="0" indent="0" algn="l" defTabSz="1022350">
+          <a:pPr lvl="0" algn="l" defTabSz="1111250">
             <a:lnSpc>
               <a:spcPct val="90000"/>
             </a:lnSpc>
@@ -1212,18 +1252,17 @@
             <a:spcAft>
               <a:spcPct val="35000"/>
             </a:spcAft>
-            <a:buNone/>
           </a:pPr>
           <a:r>
-            <a:rPr lang="it-IT" sz="2300" kern="1200" dirty="0"/>
+            <a:rPr lang="it-IT" sz="2500" kern="1200" dirty="0"/>
             <a:t>Caricare un’immagine da qualsiasi cartella</a:t>
           </a:r>
-          <a:endParaRPr lang="en-US" sz="2300" kern="1200" dirty="0"/>
+          <a:endParaRPr lang="en-US" sz="2500" kern="1200" dirty="0"/>
         </a:p>
       </dsp:txBody>
       <dsp:txXfrm>
-        <a:off x="44828" y="903534"/>
-        <a:ext cx="6155609" cy="828647"/>
+        <a:off x="47120" y="803293"/>
+        <a:ext cx="6151025" cy="871010"/>
       </dsp:txXfrm>
     </dsp:sp>
     <dsp:sp modelId="{D8878C59-FD4A-4CD0-8FDA-83F9A2B97833}">
@@ -1233,8 +1272,8 @@
       </dsp:nvSpPr>
       <dsp:spPr>
         <a:xfrm>
-          <a:off x="0" y="1843249"/>
-          <a:ext cx="6245265" cy="918303"/>
+          <a:off x="0" y="1793423"/>
+          <a:ext cx="6245265" cy="965250"/>
         </a:xfrm>
         <a:prstGeom prst="roundRect">
           <a:avLst/>
@@ -1276,12 +1315,12 @@
         </a:fontRef>
       </dsp:style>
       <dsp:txBody>
-        <a:bodyPr spcFirstLastPara="0" vert="horz" wrap="square" lIns="87630" tIns="87630" rIns="87630" bIns="87630" numCol="1" spcCol="1270" anchor="ctr" anchorCtr="0">
+        <a:bodyPr spcFirstLastPara="0" vert="horz" wrap="square" lIns="95250" tIns="95250" rIns="95250" bIns="95250" numCol="1" spcCol="1270" anchor="ctr" anchorCtr="0">
           <a:noAutofit/>
         </a:bodyPr>
         <a:lstStyle/>
         <a:p>
-          <a:pPr marL="0" lvl="0" indent="0" algn="l" defTabSz="1022350">
+          <a:pPr lvl="0" algn="l" defTabSz="1111250">
             <a:lnSpc>
               <a:spcPct val="90000"/>
             </a:lnSpc>
@@ -1291,18 +1330,17 @@
             <a:spcAft>
               <a:spcPct val="35000"/>
             </a:spcAft>
-            <a:buNone/>
           </a:pPr>
           <a:r>
-            <a:rPr lang="it-IT" sz="2300" kern="1200"/>
+            <a:rPr lang="it-IT" sz="2500" kern="1200"/>
             <a:t>Modificare l’immagine potendo disegnarci sopra, cancellare, tagliare e ruotarla.</a:t>
           </a:r>
-          <a:endParaRPr lang="en-US" sz="2300" kern="1200"/>
+          <a:endParaRPr lang="en-US" sz="2500" kern="1200"/>
         </a:p>
       </dsp:txBody>
       <dsp:txXfrm>
-        <a:off x="44828" y="1888077"/>
-        <a:ext cx="6155609" cy="828647"/>
+        <a:off x="47120" y="1840543"/>
+        <a:ext cx="6151025" cy="871010"/>
       </dsp:txXfrm>
     </dsp:sp>
     <dsp:sp modelId="{8B3F6BA1-755C-43CF-85C5-0B0EF954E288}">
@@ -1312,8 +1350,8 @@
       </dsp:nvSpPr>
       <dsp:spPr>
         <a:xfrm>
-          <a:off x="0" y="2827793"/>
-          <a:ext cx="6245265" cy="918303"/>
+          <a:off x="0" y="2830673"/>
+          <a:ext cx="6245265" cy="965250"/>
         </a:xfrm>
         <a:prstGeom prst="roundRect">
           <a:avLst/>
@@ -1355,12 +1393,12 @@
         </a:fontRef>
       </dsp:style>
       <dsp:txBody>
-        <a:bodyPr spcFirstLastPara="0" vert="horz" wrap="square" lIns="87630" tIns="87630" rIns="87630" bIns="87630" numCol="1" spcCol="1270" anchor="ctr" anchorCtr="0">
+        <a:bodyPr spcFirstLastPara="0" vert="horz" wrap="square" lIns="95250" tIns="95250" rIns="95250" bIns="95250" numCol="1" spcCol="1270" anchor="ctr" anchorCtr="0">
           <a:noAutofit/>
         </a:bodyPr>
         <a:lstStyle/>
         <a:p>
-          <a:pPr marL="0" lvl="0" indent="0" algn="l" defTabSz="1022350">
+          <a:pPr lvl="0" algn="l" defTabSz="1111250">
             <a:lnSpc>
               <a:spcPct val="90000"/>
             </a:lnSpc>
@@ -1370,18 +1408,17 @@
             <a:spcAft>
               <a:spcPct val="35000"/>
             </a:spcAft>
-            <a:buNone/>
           </a:pPr>
           <a:r>
-            <a:rPr lang="it-IT" sz="2300" kern="1200" dirty="0"/>
+            <a:rPr lang="it-IT" sz="2500" kern="1200" dirty="0"/>
             <a:t>L’ innovazione del progetto è l’aggiunta di 25 filtri</a:t>
           </a:r>
-          <a:endParaRPr lang="en-US" sz="2300" kern="1200" dirty="0"/>
+          <a:endParaRPr lang="en-US" sz="2500" kern="1200" dirty="0"/>
         </a:p>
       </dsp:txBody>
       <dsp:txXfrm>
-        <a:off x="44828" y="2872621"/>
-        <a:ext cx="6155609" cy="828647"/>
+        <a:off x="47120" y="2877793"/>
+        <a:ext cx="6151025" cy="871010"/>
       </dsp:txXfrm>
     </dsp:sp>
     <dsp:sp modelId="{B24B900C-9520-4E89-B249-085A1F00456B}">
@@ -1391,8 +1428,8 @@
       </dsp:nvSpPr>
       <dsp:spPr>
         <a:xfrm>
-          <a:off x="0" y="3812337"/>
-          <a:ext cx="6245265" cy="918303"/>
+          <a:off x="0" y="3867923"/>
+          <a:ext cx="6245265" cy="965250"/>
         </a:xfrm>
         <a:prstGeom prst="roundRect">
           <a:avLst/>
@@ -1434,12 +1471,12 @@
         </a:fontRef>
       </dsp:style>
       <dsp:txBody>
-        <a:bodyPr spcFirstLastPara="0" vert="horz" wrap="square" lIns="87630" tIns="87630" rIns="87630" bIns="87630" numCol="1" spcCol="1270" anchor="ctr" anchorCtr="0">
+        <a:bodyPr spcFirstLastPara="0" vert="horz" wrap="square" lIns="95250" tIns="95250" rIns="95250" bIns="95250" numCol="1" spcCol="1270" anchor="ctr" anchorCtr="0">
           <a:noAutofit/>
         </a:bodyPr>
         <a:lstStyle/>
         <a:p>
-          <a:pPr marL="0" lvl="0" indent="0" algn="l" defTabSz="1022350">
+          <a:pPr lvl="0" algn="l" defTabSz="1111250">
             <a:lnSpc>
               <a:spcPct val="90000"/>
             </a:lnSpc>
@@ -1449,18 +1486,17 @@
             <a:spcAft>
               <a:spcPct val="35000"/>
             </a:spcAft>
-            <a:buNone/>
           </a:pPr>
           <a:r>
-            <a:rPr lang="it-IT" sz="2300" kern="1200" dirty="0"/>
+            <a:rPr lang="it-IT" sz="2500" kern="1200" dirty="0"/>
             <a:t>L’immagine infine può essere salvata in qualsiasi cartella</a:t>
           </a:r>
-          <a:endParaRPr lang="en-US" sz="2300" kern="1200" dirty="0"/>
+          <a:endParaRPr lang="en-US" sz="2500" kern="1200" dirty="0"/>
         </a:p>
       </dsp:txBody>
       <dsp:txXfrm>
-        <a:off x="44828" y="3857165"/>
-        <a:ext cx="6155609" cy="828647"/>
+        <a:off x="47120" y="3915043"/>
+        <a:ext cx="6151025" cy="871010"/>
       </dsp:txXfrm>
     </dsp:sp>
   </dsp:spTree>
@@ -2815,7 +2851,7 @@
           <a:p>
             <a:fld id="{6A4B53A7-3209-46A6-9454-F38EAC8F11E7}" type="datetimeFigureOut">
               <a:rPr lang="en-US" smtClean="0"/>
-              <a:t>5/20/2020</a:t>
+              <a:t>5/21/2020</a:t>
             </a:fld>
             <a:endParaRPr lang="en-US"/>
           </a:p>
@@ -3066,7 +3102,7 @@
           <a:p>
             <a:fld id="{6A4B53A7-3209-46A6-9454-F38EAC8F11E7}" type="datetimeFigureOut">
               <a:rPr lang="en-US" smtClean="0"/>
-              <a:t>5/20/2020</a:t>
+              <a:t>5/21/2020</a:t>
             </a:fld>
             <a:endParaRPr lang="en-US"/>
           </a:p>
@@ -3327,7 +3363,7 @@
           <a:p>
             <a:fld id="{6A4B53A7-3209-46A6-9454-F38EAC8F11E7}" type="datetimeFigureOut">
               <a:rPr lang="en-US" smtClean="0"/>
-              <a:t>5/20/2020</a:t>
+              <a:t>5/21/2020</a:t>
             </a:fld>
             <a:endParaRPr lang="en-US"/>
           </a:p>
@@ -3578,7 +3614,7 @@
           <a:p>
             <a:fld id="{6A4B53A7-3209-46A6-9454-F38EAC8F11E7}" type="datetimeFigureOut">
               <a:rPr lang="en-US" smtClean="0"/>
-              <a:t>5/20/2020</a:t>
+              <a:t>5/21/2020</a:t>
             </a:fld>
             <a:endParaRPr lang="en-US"/>
           </a:p>
@@ -3906,7 +3942,7 @@
           <a:p>
             <a:fld id="{6A4B53A7-3209-46A6-9454-F38EAC8F11E7}" type="datetimeFigureOut">
               <a:rPr lang="en-US" smtClean="0"/>
-              <a:t>5/20/2020</a:t>
+              <a:t>5/21/2020</a:t>
             </a:fld>
             <a:endParaRPr lang="en-US"/>
           </a:p>
@@ -4224,7 +4260,7 @@
           <a:p>
             <a:fld id="{6A4B53A7-3209-46A6-9454-F38EAC8F11E7}" type="datetimeFigureOut">
               <a:rPr lang="en-US" smtClean="0"/>
-              <a:t>5/20/2020</a:t>
+              <a:t>5/21/2020</a:t>
             </a:fld>
             <a:endParaRPr lang="en-US"/>
           </a:p>
@@ -4689,7 +4725,7 @@
           <a:p>
             <a:fld id="{6A4B53A7-3209-46A6-9454-F38EAC8F11E7}" type="datetimeFigureOut">
               <a:rPr lang="en-US" smtClean="0"/>
-              <a:t>5/20/2020</a:t>
+              <a:t>5/21/2020</a:t>
             </a:fld>
             <a:endParaRPr lang="en-US"/>
           </a:p>
@@ -4883,7 +4919,7 @@
           <a:p>
             <a:fld id="{6A4B53A7-3209-46A6-9454-F38EAC8F11E7}" type="datetimeFigureOut">
               <a:rPr lang="en-US" smtClean="0"/>
-              <a:t>5/20/2020</a:t>
+              <a:t>5/21/2020</a:t>
             </a:fld>
             <a:endParaRPr lang="en-US"/>
           </a:p>
@@ -5049,7 +5085,7 @@
           <a:p>
             <a:fld id="{6A4B53A7-3209-46A6-9454-F38EAC8F11E7}" type="datetimeFigureOut">
               <a:rPr lang="en-US" smtClean="0"/>
-              <a:t>5/20/2020</a:t>
+              <a:t>5/21/2020</a:t>
             </a:fld>
             <a:endParaRPr lang="en-US"/>
           </a:p>
@@ -5413,7 +5449,7 @@
           <a:p>
             <a:fld id="{6A4B53A7-3209-46A6-9454-F38EAC8F11E7}" type="datetimeFigureOut">
               <a:rPr lang="en-US" smtClean="0"/>
-              <a:t>5/20/2020</a:t>
+              <a:t>5/21/2020</a:t>
             </a:fld>
             <a:endParaRPr lang="en-US"/>
           </a:p>
@@ -5757,7 +5793,7 @@
           <a:p>
             <a:fld id="{6A4B53A7-3209-46A6-9454-F38EAC8F11E7}" type="datetimeFigureOut">
               <a:rPr lang="en-US" smtClean="0"/>
-              <a:t>5/20/2020</a:t>
+              <a:t>5/21/2020</a:t>
             </a:fld>
             <a:endParaRPr lang="en-US"/>
           </a:p>
@@ -6052,7 +6088,7 @@
             <a:fld id="{6A4B53A7-3209-46A6-9454-F38EAC8F11E7}" type="datetimeFigureOut">
               <a:rPr lang="en-US" smtClean="0"/>
               <a:pPr/>
-              <a:t>5/20/2020</a:t>
+              <a:t>5/21/2020</a:t>
             </a:fld>
             <a:endParaRPr lang="en-US" dirty="0"/>
           </a:p>
@@ -6486,7 +6522,7 @@
                 <a16:creationId xmlns:a16="http://schemas.microsoft.com/office/drawing/2014/main" id="{3F672E71-4896-412C-9C70-888CBA0C2F28}"/>
               </a:ext>
               <a:ext uri="{C183D7F6-B498-43B3-948B-1728B52AA6E4}">
-                <adec:decorative xmlns:adec="http://schemas.microsoft.com/office/drawing/2017/decorative" val="1"/>
+                <adec:decorative xmlns:adec="http://schemas.microsoft.com/office/drawing/2017/decorative" xmlns="" val="1"/>
               </a:ext>
             </a:extLst>
           </p:cNvPr>
@@ -6587,7 +6623,7 @@
                 <a16:creationId xmlns:a16="http://schemas.microsoft.com/office/drawing/2014/main" id="{24FAD405-B1A3-4548-AF6F-946AAC4D32B2}"/>
               </a:ext>
               <a:ext uri="{C183D7F6-B498-43B3-948B-1728B52AA6E4}">
-                <adec:decorative xmlns:adec="http://schemas.microsoft.com/office/drawing/2017/decorative" val="1"/>
+                <adec:decorative xmlns:adec="http://schemas.microsoft.com/office/drawing/2017/decorative" xmlns="" val="1"/>
               </a:ext>
             </a:extLst>
           </p:cNvPr>
@@ -6659,7 +6695,7 @@
                 <a16:creationId xmlns:a16="http://schemas.microsoft.com/office/drawing/2014/main" id="{508BEF50-7B1E-49A4-BC19-5F4F1D755E64}"/>
               </a:ext>
               <a:ext uri="{C183D7F6-B498-43B3-948B-1728B52AA6E4}">
-                <adec:decorative xmlns:adec="http://schemas.microsoft.com/office/drawing/2017/decorative" val="1"/>
+                <adec:decorative xmlns:adec="http://schemas.microsoft.com/office/drawing/2017/decorative" xmlns="" val="1"/>
               </a:ext>
             </a:extLst>
           </p:cNvPr>
@@ -6870,7 +6906,7 @@
                 <a16:creationId xmlns:a16="http://schemas.microsoft.com/office/drawing/2014/main" id="{3FBAD350-5664-4811-A208-657FB882D350}"/>
               </a:ext>
               <a:ext uri="{C183D7F6-B498-43B3-948B-1728B52AA6E4}">
-                <adec:decorative xmlns:adec="http://schemas.microsoft.com/office/drawing/2017/decorative" val="1"/>
+                <adec:decorative xmlns:adec="http://schemas.microsoft.com/office/drawing/2017/decorative" xmlns="" val="1"/>
               </a:ext>
             </a:extLst>
           </p:cNvPr>
@@ -7589,7 +7625,7 @@
                 <a16:creationId xmlns:a16="http://schemas.microsoft.com/office/drawing/2014/main" id="{2659FDB4-FCBE-4A89-B46D-43D4FA54464D}"/>
               </a:ext>
               <a:ext uri="{C183D7F6-B498-43B3-948B-1728B52AA6E4}">
-                <adec:decorative xmlns:adec="http://schemas.microsoft.com/office/drawing/2017/decorative" val="1"/>
+                <adec:decorative xmlns:adec="http://schemas.microsoft.com/office/drawing/2017/decorative" xmlns="" val="1"/>
               </a:ext>
             </a:extLst>
           </p:cNvPr>
@@ -7689,7 +7725,7 @@
                 <a16:creationId xmlns:a16="http://schemas.microsoft.com/office/drawing/2014/main" id="{C8F51B3F-8331-4E4A-AE96-D47B1006EEAD}"/>
               </a:ext>
               <a:ext uri="{C183D7F6-B498-43B3-948B-1728B52AA6E4}">
-                <adec:decorative xmlns:adec="http://schemas.microsoft.com/office/drawing/2017/decorative" val="1"/>
+                <adec:decorative xmlns:adec="http://schemas.microsoft.com/office/drawing/2017/decorative" xmlns="" val="1"/>
               </a:ext>
             </a:extLst>
           </p:cNvPr>
@@ -7962,7 +7998,7 @@
                 <a16:creationId xmlns:a16="http://schemas.microsoft.com/office/drawing/2014/main" id="{D1B787A8-0D67-4B7E-9B48-86BD906AB6B5}"/>
               </a:ext>
               <a:ext uri="{C183D7F6-B498-43B3-948B-1728B52AA6E4}">
-                <adec:decorative xmlns:adec="http://schemas.microsoft.com/office/drawing/2017/decorative" val="1"/>
+                <adec:decorative xmlns:adec="http://schemas.microsoft.com/office/drawing/2017/decorative" xmlns="" val="1"/>
               </a:ext>
             </a:extLst>
           </p:cNvPr>
@@ -8024,7 +8060,7 @@
                 <a16:creationId xmlns:a16="http://schemas.microsoft.com/office/drawing/2014/main" id="{158B3569-73B2-4D05-8E95-886A6EE17F1F}"/>
               </a:ext>
               <a:ext uri="{C183D7F6-B498-43B3-948B-1728B52AA6E4}">
-                <adec:decorative xmlns:adec="http://schemas.microsoft.com/office/drawing/2017/decorative" val="1"/>
+                <adec:decorative xmlns:adec="http://schemas.microsoft.com/office/drawing/2017/decorative" xmlns="" val="1"/>
               </a:ext>
             </a:extLst>
           </p:cNvPr>
@@ -8106,7 +8142,7 @@
         </p:nvSpPr>
         <p:spPr>
           <a:xfrm>
-            <a:off x="457200" y="1598246"/>
+            <a:off x="508474" y="1787030"/>
             <a:ext cx="4412419" cy="3626217"/>
           </a:xfrm>
         </p:spPr>
@@ -8172,7 +8208,7 @@
                 <a16:creationId xmlns:a16="http://schemas.microsoft.com/office/drawing/2014/main" id="{B71758F4-3F46-45DA-8AC5-4E508DA080BA}"/>
               </a:ext>
               <a:ext uri="{C183D7F6-B498-43B3-948B-1728B52AA6E4}">
-                <adec:decorative xmlns:adec="http://schemas.microsoft.com/office/drawing/2017/decorative" val="1"/>
+                <adec:decorative xmlns:adec="http://schemas.microsoft.com/office/drawing/2017/decorative" xmlns="" val="1"/>
               </a:ext>
             </a:extLst>
           </p:cNvPr>
@@ -8383,7 +8419,7 @@
                 <a16:creationId xmlns:a16="http://schemas.microsoft.com/office/drawing/2014/main" id="{56020367-4FD5-4596-8E10-C5F095CD8DBF}"/>
               </a:ext>
               <a:ext uri="{C183D7F6-B498-43B3-948B-1728B52AA6E4}">
-                <adec:decorative xmlns:adec="http://schemas.microsoft.com/office/drawing/2017/decorative" val="1"/>
+                <adec:decorative xmlns:adec="http://schemas.microsoft.com/office/drawing/2017/decorative" xmlns="" val="1"/>
               </a:ext>
             </a:extLst>
           </p:cNvPr>
@@ -8428,42 +8464,6 @@
           </a:fontRef>
         </p:style>
       </p:cxnSp>
-      <p:pic>
-        <p:nvPicPr>
-          <p:cNvPr id="7" name="Immagine 6" descr="Immagine che contiene screenshot&#10;&#10;Descrizione generata automaticamente">
-            <a:extLst>
-              <a:ext uri="{FF2B5EF4-FFF2-40B4-BE49-F238E27FC236}">
-                <a16:creationId xmlns:a16="http://schemas.microsoft.com/office/drawing/2014/main" id="{8C55C8DD-4115-4B46-AB09-BC8B1DAFE6C9}"/>
-              </a:ext>
-            </a:extLst>
-          </p:cNvPr>
-          <p:cNvPicPr>
-            <a:picLocks noChangeAspect="1"/>
-          </p:cNvPicPr>
-          <p:nvPr/>
-        </p:nvPicPr>
-        <p:blipFill>
-          <a:blip r:embed="rId2">
-            <a:extLst>
-              <a:ext uri="{28A0092B-C50C-407E-A947-70E740481C1C}">
-                <a14:useLocalDpi xmlns:a14="http://schemas.microsoft.com/office/drawing/2010/main" val="0"/>
-              </a:ext>
-            </a:extLst>
-          </a:blip>
-          <a:stretch>
-            <a:fillRect/>
-          </a:stretch>
-        </p:blipFill>
-        <p:spPr>
-          <a:xfrm>
-            <a:off x="5684977" y="1964720"/>
-            <a:ext cx="6269369" cy="3626217"/>
-          </a:xfrm>
-          <a:prstGeom prst="rect">
-            <a:avLst/>
-          </a:prstGeom>
-        </p:spPr>
-      </p:pic>
       <p:sp>
         <p:nvSpPr>
           <p:cNvPr id="72" name="Graphic 21">
@@ -8472,7 +8472,7 @@
                 <a16:creationId xmlns:a16="http://schemas.microsoft.com/office/drawing/2014/main" id="{8D61482F-F3C5-4D66-8C5D-C6BBE3E1275C}"/>
               </a:ext>
               <a:ext uri="{C183D7F6-B498-43B3-948B-1728B52AA6E4}">
-                <adec:decorative xmlns:adec="http://schemas.microsoft.com/office/drawing/2017/decorative" val="1"/>
+                <adec:decorative xmlns:adec="http://schemas.microsoft.com/office/drawing/2017/decorative" xmlns="" val="1"/>
               </a:ext>
             </a:extLst>
           </p:cNvPr>
@@ -8619,6 +8619,36 @@
           </a:p>
         </p:txBody>
       </p:sp>
+      <p:pic>
+        <p:nvPicPr>
+          <p:cNvPr id="3" name="Immagine 2"/>
+          <p:cNvPicPr>
+            <a:picLocks noChangeAspect="1"/>
+          </p:cNvPicPr>
+          <p:nvPr/>
+        </p:nvPicPr>
+        <p:blipFill>
+          <a:blip r:embed="rId2">
+            <a:extLst>
+              <a:ext uri="{28A0092B-C50C-407E-A947-70E740481C1C}">
+                <a14:useLocalDpi xmlns:a14="http://schemas.microsoft.com/office/drawing/2010/main" val="0"/>
+              </a:ext>
+            </a:extLst>
+          </a:blip>
+          <a:stretch>
+            <a:fillRect/>
+          </a:stretch>
+        </p:blipFill>
+        <p:spPr>
+          <a:xfrm>
+            <a:off x="5712422" y="1955169"/>
+            <a:ext cx="6214479" cy="3972835"/>
+          </a:xfrm>
+          <a:prstGeom prst="rect">
+            <a:avLst/>
+          </a:prstGeom>
+        </p:spPr>
+      </p:pic>
     </p:spTree>
     <p:extLst>
       <p:ext uri="{BB962C8B-B14F-4D97-AF65-F5344CB8AC3E}">
@@ -8727,59 +8757,6 @@
                                         </p:tav>
                                       </p:tavLst>
                                     </p:anim>
-                                  </p:childTnLst>
-                                </p:cTn>
-                              </p:par>
-                            </p:childTnLst>
-                          </p:cTn>
-                        </p:par>
-                      </p:childTnLst>
-                    </p:cTn>
-                  </p:par>
-                  <p:par>
-                    <p:cTn id="10" fill="hold">
-                      <p:stCondLst>
-                        <p:cond delay="indefinite"/>
-                      </p:stCondLst>
-                      <p:childTnLst>
-                        <p:par>
-                          <p:cTn id="11" fill="hold">
-                            <p:stCondLst>
-                              <p:cond delay="0"/>
-                            </p:stCondLst>
-                            <p:childTnLst>
-                              <p:par>
-                                <p:cTn id="12" presetID="16" presetClass="entr" presetSubtype="21" fill="hold" nodeType="clickEffect">
-                                  <p:stCondLst>
-                                    <p:cond delay="0"/>
-                                  </p:stCondLst>
-                                  <p:childTnLst>
-                                    <p:set>
-                                      <p:cBhvr>
-                                        <p:cTn id="13" dur="1" fill="hold">
-                                          <p:stCondLst>
-                                            <p:cond delay="0"/>
-                                          </p:stCondLst>
-                                        </p:cTn>
-                                        <p:tgtEl>
-                                          <p:spTgt spid="7"/>
-                                        </p:tgtEl>
-                                        <p:attrNameLst>
-                                          <p:attrName>style.visibility</p:attrName>
-                                        </p:attrNameLst>
-                                      </p:cBhvr>
-                                      <p:to>
-                                        <p:strVal val="visible"/>
-                                      </p:to>
-                                    </p:set>
-                                    <p:animEffect transition="in" filter="barn(inVertical)">
-                                      <p:cBhvr>
-                                        <p:cTn id="14" dur="500"/>
-                                        <p:tgtEl>
-                                          <p:spTgt spid="7"/>
-                                        </p:tgtEl>
-                                      </p:cBhvr>
-                                    </p:animEffect>
                                   </p:childTnLst>
                                 </p:cTn>
                               </p:par>

--- a/Presentazione Progetto.pptx
+++ b/Presentazione Progetto.pptx
@@ -7,7 +7,10 @@
   <p:sldIdLst>
     <p:sldId id="256" r:id="rId2"/>
     <p:sldId id="257" r:id="rId3"/>
-    <p:sldId id="258" r:id="rId4"/>
+    <p:sldId id="259" r:id="rId4"/>
+    <p:sldId id="260" r:id="rId5"/>
+    <p:sldId id="261" r:id="rId6"/>
+    <p:sldId id="258" r:id="rId7"/>
   </p:sldIdLst>
   <p:sldSz cx="12192000" cy="6858000"/>
   <p:notesSz cx="6858000" cy="9144000"/>
@@ -6522,7 +6525,7 @@
                 <a16:creationId xmlns:a16="http://schemas.microsoft.com/office/drawing/2014/main" id="{3F672E71-4896-412C-9C70-888CBA0C2F28}"/>
               </a:ext>
               <a:ext uri="{C183D7F6-B498-43B3-948B-1728B52AA6E4}">
-                <adec:decorative xmlns:adec="http://schemas.microsoft.com/office/drawing/2017/decorative" xmlns="" val="1"/>
+                <adec:decorative xmlns="" xmlns:adec="http://schemas.microsoft.com/office/drawing/2017/decorative" val="1"/>
               </a:ext>
             </a:extLst>
           </p:cNvPr>
@@ -6623,7 +6626,7 @@
                 <a16:creationId xmlns:a16="http://schemas.microsoft.com/office/drawing/2014/main" id="{24FAD405-B1A3-4548-AF6F-946AAC4D32B2}"/>
               </a:ext>
               <a:ext uri="{C183D7F6-B498-43B3-948B-1728B52AA6E4}">
-                <adec:decorative xmlns:adec="http://schemas.microsoft.com/office/drawing/2017/decorative" xmlns="" val="1"/>
+                <adec:decorative xmlns="" xmlns:adec="http://schemas.microsoft.com/office/drawing/2017/decorative" val="1"/>
               </a:ext>
             </a:extLst>
           </p:cNvPr>
@@ -6695,7 +6698,7 @@
                 <a16:creationId xmlns:a16="http://schemas.microsoft.com/office/drawing/2014/main" id="{508BEF50-7B1E-49A4-BC19-5F4F1D755E64}"/>
               </a:ext>
               <a:ext uri="{C183D7F6-B498-43B3-948B-1728B52AA6E4}">
-                <adec:decorative xmlns:adec="http://schemas.microsoft.com/office/drawing/2017/decorative" xmlns="" val="1"/>
+                <adec:decorative xmlns="" xmlns:adec="http://schemas.microsoft.com/office/drawing/2017/decorative" val="1"/>
               </a:ext>
             </a:extLst>
           </p:cNvPr>
@@ -6906,7 +6909,7 @@
                 <a16:creationId xmlns:a16="http://schemas.microsoft.com/office/drawing/2014/main" id="{3FBAD350-5664-4811-A208-657FB882D350}"/>
               </a:ext>
               <a:ext uri="{C183D7F6-B498-43B3-948B-1728B52AA6E4}">
-                <adec:decorative xmlns:adec="http://schemas.microsoft.com/office/drawing/2017/decorative" xmlns="" val="1"/>
+                <adec:decorative xmlns="" xmlns:adec="http://schemas.microsoft.com/office/drawing/2017/decorative" val="1"/>
               </a:ext>
             </a:extLst>
           </p:cNvPr>
@@ -7126,7 +7129,39 @@
                   <a:schemeClr val="bg1"/>
                 </a:solidFill>
               </a:rPr>
-              <a:t>Progetto creato da:     Birolini Alessia</a:t>
+              <a:t>Progetto creato da:     </a:t>
+            </a:r>
+            <a:r>
+              <a:rPr lang="it-IT" sz="1600" dirty="0" smtClean="0">
+                <a:solidFill>
+                  <a:schemeClr val="bg1"/>
+                </a:solidFill>
+              </a:rPr>
+              <a:t>  </a:t>
+            </a:r>
+            <a:r>
+              <a:rPr lang="it-IT" sz="1600" dirty="0" err="1" smtClean="0">
+                <a:solidFill>
+                  <a:schemeClr val="bg1"/>
+                </a:solidFill>
+              </a:rPr>
+              <a:t>Birolini</a:t>
+            </a:r>
+            <a:r>
+              <a:rPr lang="it-IT" sz="1600" dirty="0" smtClean="0">
+                <a:solidFill>
+                  <a:schemeClr val="bg1"/>
+                </a:solidFill>
+              </a:rPr>
+              <a:t> </a:t>
+            </a:r>
+            <a:r>
+              <a:rPr lang="it-IT" sz="1600" dirty="0">
+                <a:solidFill>
+                  <a:schemeClr val="bg1"/>
+                </a:solidFill>
+              </a:rPr>
+              <a:t>Alessia</a:t>
             </a:r>
           </a:p>
           <a:p>
@@ -7625,7 +7660,7 @@
                 <a16:creationId xmlns:a16="http://schemas.microsoft.com/office/drawing/2014/main" id="{2659FDB4-FCBE-4A89-B46D-43D4FA54464D}"/>
               </a:ext>
               <a:ext uri="{C183D7F6-B498-43B3-948B-1728B52AA6E4}">
-                <adec:decorative xmlns:adec="http://schemas.microsoft.com/office/drawing/2017/decorative" xmlns="" val="1"/>
+                <adec:decorative xmlns="" xmlns:adec="http://schemas.microsoft.com/office/drawing/2017/decorative" val="1"/>
               </a:ext>
             </a:extLst>
           </p:cNvPr>
@@ -7725,7 +7760,7 @@
                 <a16:creationId xmlns:a16="http://schemas.microsoft.com/office/drawing/2014/main" id="{C8F51B3F-8331-4E4A-AE96-D47B1006EEAD}"/>
               </a:ext>
               <a:ext uri="{C183D7F6-B498-43B3-948B-1728B52AA6E4}">
-                <adec:decorative xmlns:adec="http://schemas.microsoft.com/office/drawing/2017/decorative" xmlns="" val="1"/>
+                <adec:decorative xmlns="" xmlns:adec="http://schemas.microsoft.com/office/drawing/2017/decorative" val="1"/>
               </a:ext>
             </a:extLst>
           </p:cNvPr>
@@ -7968,6 +8003,500 @@
 <file path=ppt/slides/slide3.xml><?xml version="1.0" encoding="utf-8"?>
 <p:sld xmlns:a="http://schemas.openxmlformats.org/drawingml/2006/main" xmlns:r="http://schemas.openxmlformats.org/officeDocument/2006/relationships" xmlns:p="http://schemas.openxmlformats.org/presentationml/2006/main">
   <p:cSld>
+    <p:spTree>
+      <p:nvGrpSpPr>
+        <p:cNvPr id="1" name=""/>
+        <p:cNvGrpSpPr/>
+        <p:nvPr/>
+      </p:nvGrpSpPr>
+      <p:grpSpPr>
+        <a:xfrm>
+          <a:off x="0" y="0"/>
+          <a:ext cx="0" cy="0"/>
+          <a:chOff x="0" y="0"/>
+          <a:chExt cx="0" cy="0"/>
+        </a:xfrm>
+      </p:grpSpPr>
+      <p:sp>
+        <p:nvSpPr>
+          <p:cNvPr id="2" name="Titolo 1"/>
+          <p:cNvSpPr>
+            <a:spLocks noGrp="1"/>
+          </p:cNvSpPr>
+          <p:nvPr>
+            <p:ph type="title"/>
+          </p:nvPr>
+        </p:nvSpPr>
+        <p:spPr/>
+        <p:txBody>
+          <a:bodyPr/>
+          <a:lstStyle/>
+          <a:p>
+            <a:r>
+              <a:rPr lang="it-IT" dirty="0" smtClean="0"/>
+              <a:t>Modificare l’immagine</a:t>
+            </a:r>
+            <a:endParaRPr lang="it-IT" dirty="0"/>
+          </a:p>
+        </p:txBody>
+      </p:sp>
+      <p:sp>
+        <p:nvSpPr>
+          <p:cNvPr id="3" name="Segnaposto contenuto 2"/>
+          <p:cNvSpPr>
+            <a:spLocks noGrp="1"/>
+          </p:cNvSpPr>
+          <p:nvPr>
+            <p:ph idx="1"/>
+          </p:nvPr>
+        </p:nvSpPr>
+        <p:spPr/>
+        <p:txBody>
+          <a:bodyPr/>
+          <a:lstStyle/>
+          <a:p>
+            <a:r>
+              <a:rPr lang="it-IT" dirty="0" smtClean="0"/>
+              <a:t>Nel programma si può modificare un immagine tramite una casella di strumenti nella quale si possono selezionare varie funzioni per disegnare.</a:t>
+            </a:r>
+            <a:endParaRPr lang="it-IT" dirty="0"/>
+          </a:p>
+          <a:p>
+            <a:r>
+              <a:rPr lang="it-IT" dirty="0" smtClean="0"/>
+              <a:t>Questa parte del programma è stata creata da Meli Tristan e Walid </a:t>
+            </a:r>
+            <a:r>
+              <a:rPr lang="it-IT" dirty="0" err="1" smtClean="0"/>
+              <a:t>Zaroual</a:t>
+            </a:r>
+            <a:r>
+              <a:rPr lang="it-IT" smtClean="0"/>
+              <a:t>.</a:t>
+            </a:r>
+            <a:endParaRPr lang="it-IT" dirty="0" smtClean="0"/>
+          </a:p>
+        </p:txBody>
+      </p:sp>
+    </p:spTree>
+    <p:extLst>
+      <p:ext uri="{BB962C8B-B14F-4D97-AF65-F5344CB8AC3E}">
+        <p14:creationId xmlns:p14="http://schemas.microsoft.com/office/powerpoint/2010/main" val="3897051588"/>
+      </p:ext>
+    </p:extLst>
+  </p:cSld>
+  <p:clrMapOvr>
+    <a:masterClrMapping/>
+  </p:clrMapOvr>
+  <p:timing>
+    <p:tnLst>
+      <p:par>
+        <p:cTn id="1" dur="indefinite" restart="never" nodeType="tmRoot">
+          <p:childTnLst>
+            <p:seq concurrent="1" nextAc="seek">
+              <p:cTn id="2" dur="indefinite" nodeType="mainSeq">
+                <p:childTnLst>
+                  <p:par>
+                    <p:cTn id="3" fill="hold">
+                      <p:stCondLst>
+                        <p:cond delay="indefinite"/>
+                      </p:stCondLst>
+                      <p:childTnLst>
+                        <p:par>
+                          <p:cTn id="4" fill="hold">
+                            <p:stCondLst>
+                              <p:cond delay="0"/>
+                            </p:stCondLst>
+                            <p:childTnLst>
+                              <p:par>
+                                <p:cTn id="5" presetID="10" presetClass="entr" presetSubtype="0" fill="hold" grpId="0" nodeType="clickEffect">
+                                  <p:stCondLst>
+                                    <p:cond delay="0"/>
+                                  </p:stCondLst>
+                                  <p:childTnLst>
+                                    <p:set>
+                                      <p:cBhvr>
+                                        <p:cTn id="6" dur="1" fill="hold">
+                                          <p:stCondLst>
+                                            <p:cond delay="0"/>
+                                          </p:stCondLst>
+                                        </p:cTn>
+                                        <p:tgtEl>
+                                          <p:spTgt spid="2"/>
+                                        </p:tgtEl>
+                                        <p:attrNameLst>
+                                          <p:attrName>style.visibility</p:attrName>
+                                        </p:attrNameLst>
+                                      </p:cBhvr>
+                                      <p:to>
+                                        <p:strVal val="visible"/>
+                                      </p:to>
+                                    </p:set>
+                                    <p:animEffect transition="in" filter="fade">
+                                      <p:cBhvr>
+                                        <p:cTn id="7" dur="500"/>
+                                        <p:tgtEl>
+                                          <p:spTgt spid="2"/>
+                                        </p:tgtEl>
+                                      </p:cBhvr>
+                                    </p:animEffect>
+                                  </p:childTnLst>
+                                </p:cTn>
+                              </p:par>
+                            </p:childTnLst>
+                          </p:cTn>
+                        </p:par>
+                      </p:childTnLst>
+                    </p:cTn>
+                  </p:par>
+                  <p:par>
+                    <p:cTn id="8" fill="hold">
+                      <p:stCondLst>
+                        <p:cond delay="indefinite"/>
+                      </p:stCondLst>
+                      <p:childTnLst>
+                        <p:par>
+                          <p:cTn id="9" fill="hold">
+                            <p:stCondLst>
+                              <p:cond delay="0"/>
+                            </p:stCondLst>
+                            <p:childTnLst>
+                              <p:par>
+                                <p:cTn id="10" presetID="10" presetClass="entr" presetSubtype="0" fill="hold" grpId="0" nodeType="clickEffect">
+                                  <p:stCondLst>
+                                    <p:cond delay="0"/>
+                                  </p:stCondLst>
+                                  <p:childTnLst>
+                                    <p:set>
+                                      <p:cBhvr>
+                                        <p:cTn id="11" dur="1" fill="hold">
+                                          <p:stCondLst>
+                                            <p:cond delay="0"/>
+                                          </p:stCondLst>
+                                        </p:cTn>
+                                        <p:tgtEl>
+                                          <p:spTgt spid="3">
+                                            <p:txEl>
+                                              <p:pRg st="0" end="0"/>
+                                            </p:txEl>
+                                          </p:spTgt>
+                                        </p:tgtEl>
+                                        <p:attrNameLst>
+                                          <p:attrName>style.visibility</p:attrName>
+                                        </p:attrNameLst>
+                                      </p:cBhvr>
+                                      <p:to>
+                                        <p:strVal val="visible"/>
+                                      </p:to>
+                                    </p:set>
+                                    <p:animEffect transition="in" filter="fade">
+                                      <p:cBhvr>
+                                        <p:cTn id="12" dur="500"/>
+                                        <p:tgtEl>
+                                          <p:spTgt spid="3">
+                                            <p:txEl>
+                                              <p:pRg st="0" end="0"/>
+                                            </p:txEl>
+                                          </p:spTgt>
+                                        </p:tgtEl>
+                                      </p:cBhvr>
+                                    </p:animEffect>
+                                  </p:childTnLst>
+                                </p:cTn>
+                              </p:par>
+                            </p:childTnLst>
+                          </p:cTn>
+                        </p:par>
+                      </p:childTnLst>
+                    </p:cTn>
+                  </p:par>
+                  <p:par>
+                    <p:cTn id="13" fill="hold">
+                      <p:stCondLst>
+                        <p:cond delay="indefinite"/>
+                      </p:stCondLst>
+                      <p:childTnLst>
+                        <p:par>
+                          <p:cTn id="14" fill="hold">
+                            <p:stCondLst>
+                              <p:cond delay="0"/>
+                            </p:stCondLst>
+                            <p:childTnLst>
+                              <p:par>
+                                <p:cTn id="15" presetID="10" presetClass="entr" presetSubtype="0" fill="hold" grpId="0" nodeType="clickEffect">
+                                  <p:stCondLst>
+                                    <p:cond delay="0"/>
+                                  </p:stCondLst>
+                                  <p:childTnLst>
+                                    <p:set>
+                                      <p:cBhvr>
+                                        <p:cTn id="16" dur="1" fill="hold">
+                                          <p:stCondLst>
+                                            <p:cond delay="0"/>
+                                          </p:stCondLst>
+                                        </p:cTn>
+                                        <p:tgtEl>
+                                          <p:spTgt spid="3">
+                                            <p:txEl>
+                                              <p:pRg st="1" end="1"/>
+                                            </p:txEl>
+                                          </p:spTgt>
+                                        </p:tgtEl>
+                                        <p:attrNameLst>
+                                          <p:attrName>style.visibility</p:attrName>
+                                        </p:attrNameLst>
+                                      </p:cBhvr>
+                                      <p:to>
+                                        <p:strVal val="visible"/>
+                                      </p:to>
+                                    </p:set>
+                                    <p:animEffect transition="in" filter="fade">
+                                      <p:cBhvr>
+                                        <p:cTn id="17" dur="500"/>
+                                        <p:tgtEl>
+                                          <p:spTgt spid="3">
+                                            <p:txEl>
+                                              <p:pRg st="1" end="1"/>
+                                            </p:txEl>
+                                          </p:spTgt>
+                                        </p:tgtEl>
+                                      </p:cBhvr>
+                                    </p:animEffect>
+                                  </p:childTnLst>
+                                </p:cTn>
+                              </p:par>
+                            </p:childTnLst>
+                          </p:cTn>
+                        </p:par>
+                      </p:childTnLst>
+                    </p:cTn>
+                  </p:par>
+                </p:childTnLst>
+              </p:cTn>
+              <p:prevCondLst>
+                <p:cond evt="onPrev" delay="0">
+                  <p:tgtEl>
+                    <p:sldTgt/>
+                  </p:tgtEl>
+                </p:cond>
+              </p:prevCondLst>
+              <p:nextCondLst>
+                <p:cond evt="onNext" delay="0">
+                  <p:tgtEl>
+                    <p:sldTgt/>
+                  </p:tgtEl>
+                </p:cond>
+              </p:nextCondLst>
+            </p:seq>
+          </p:childTnLst>
+        </p:cTn>
+      </p:par>
+    </p:tnLst>
+    <p:bldLst>
+      <p:bldP spid="2" grpId="0"/>
+      <p:bldP spid="3" grpId="0" build="p"/>
+    </p:bldLst>
+  </p:timing>
+</p:sld>
+</file>
+
+<file path=ppt/slides/slide4.xml><?xml version="1.0" encoding="utf-8"?>
+<p:sld xmlns:a="http://schemas.openxmlformats.org/drawingml/2006/main" xmlns:r="http://schemas.openxmlformats.org/officeDocument/2006/relationships" xmlns:p="http://schemas.openxmlformats.org/presentationml/2006/main">
+  <p:cSld>
+    <p:spTree>
+      <p:nvGrpSpPr>
+        <p:cNvPr id="1" name=""/>
+        <p:cNvGrpSpPr/>
+        <p:nvPr/>
+      </p:nvGrpSpPr>
+      <p:grpSpPr>
+        <a:xfrm>
+          <a:off x="0" y="0"/>
+          <a:ext cx="0" cy="0"/>
+          <a:chOff x="0" y="0"/>
+          <a:chExt cx="0" cy="0"/>
+        </a:xfrm>
+      </p:grpSpPr>
+      <p:sp>
+        <p:nvSpPr>
+          <p:cNvPr id="2" name="Titolo 1"/>
+          <p:cNvSpPr>
+            <a:spLocks noGrp="1"/>
+          </p:cNvSpPr>
+          <p:nvPr>
+            <p:ph type="title"/>
+          </p:nvPr>
+        </p:nvSpPr>
+        <p:spPr/>
+        <p:txBody>
+          <a:bodyPr/>
+          <a:lstStyle/>
+          <a:p>
+            <a:r>
+              <a:rPr lang="it-IT" dirty="0" smtClean="0"/>
+              <a:t>Filtri</a:t>
+            </a:r>
+            <a:endParaRPr lang="it-IT" dirty="0"/>
+          </a:p>
+        </p:txBody>
+      </p:sp>
+      <p:sp>
+        <p:nvSpPr>
+          <p:cNvPr id="3" name="Segnaposto contenuto 2"/>
+          <p:cNvSpPr>
+            <a:spLocks noGrp="1"/>
+          </p:cNvSpPr>
+          <p:nvPr>
+            <p:ph idx="1"/>
+          </p:nvPr>
+        </p:nvSpPr>
+        <p:spPr/>
+        <p:txBody>
+          <a:bodyPr/>
+          <a:lstStyle/>
+          <a:p>
+            <a:r>
+              <a:rPr lang="it-IT" dirty="0" smtClean="0"/>
+              <a:t>Nel programma c’è una funzione per applicare dei filtri alle immagini, in totale ve ne sono 25.</a:t>
+            </a:r>
+          </a:p>
+          <a:p>
+            <a:r>
+              <a:rPr lang="it-IT" dirty="0" smtClean="0"/>
+              <a:t>Di questa funzionalità se ne sono occupati Daniel Giuggioli e </a:t>
+            </a:r>
+            <a:r>
+              <a:rPr lang="it-IT" dirty="0" err="1" smtClean="0"/>
+              <a:t>Bissola</a:t>
+            </a:r>
+            <a:r>
+              <a:rPr lang="it-IT" dirty="0" smtClean="0"/>
+              <a:t> Mattia.</a:t>
+            </a:r>
+            <a:endParaRPr lang="it-IT" dirty="0"/>
+          </a:p>
+        </p:txBody>
+      </p:sp>
+    </p:spTree>
+    <p:extLst>
+      <p:ext uri="{BB962C8B-B14F-4D97-AF65-F5344CB8AC3E}">
+        <p14:creationId xmlns:p14="http://schemas.microsoft.com/office/powerpoint/2010/main" val="312243276"/>
+      </p:ext>
+    </p:extLst>
+  </p:cSld>
+  <p:clrMapOvr>
+    <a:masterClrMapping/>
+  </p:clrMapOvr>
+  <p:timing>
+    <p:tnLst>
+      <p:par>
+        <p:cTn id="1" dur="indefinite" restart="never" nodeType="tmRoot"/>
+      </p:par>
+    </p:tnLst>
+  </p:timing>
+</p:sld>
+</file>
+
+<file path=ppt/slides/slide5.xml><?xml version="1.0" encoding="utf-8"?>
+<p:sld xmlns:a="http://schemas.openxmlformats.org/drawingml/2006/main" xmlns:r="http://schemas.openxmlformats.org/officeDocument/2006/relationships" xmlns:p="http://schemas.openxmlformats.org/presentationml/2006/main">
+  <p:cSld>
+    <p:spTree>
+      <p:nvGrpSpPr>
+        <p:cNvPr id="1" name=""/>
+        <p:cNvGrpSpPr/>
+        <p:nvPr/>
+      </p:nvGrpSpPr>
+      <p:grpSpPr>
+        <a:xfrm>
+          <a:off x="0" y="0"/>
+          <a:ext cx="0" cy="0"/>
+          <a:chOff x="0" y="0"/>
+          <a:chExt cx="0" cy="0"/>
+        </a:xfrm>
+      </p:grpSpPr>
+      <p:sp>
+        <p:nvSpPr>
+          <p:cNvPr id="2" name="Titolo 1"/>
+          <p:cNvSpPr>
+            <a:spLocks noGrp="1"/>
+          </p:cNvSpPr>
+          <p:nvPr>
+            <p:ph type="title"/>
+          </p:nvPr>
+        </p:nvSpPr>
+        <p:spPr/>
+        <p:txBody>
+          <a:bodyPr/>
+          <a:lstStyle/>
+          <a:p>
+            <a:r>
+              <a:rPr lang="it-IT" dirty="0" smtClean="0"/>
+              <a:t>Altre modifiche</a:t>
+            </a:r>
+            <a:endParaRPr lang="it-IT" dirty="0"/>
+          </a:p>
+        </p:txBody>
+      </p:sp>
+      <p:sp>
+        <p:nvSpPr>
+          <p:cNvPr id="3" name="Segnaposto contenuto 2"/>
+          <p:cNvSpPr>
+            <a:spLocks noGrp="1"/>
+          </p:cNvSpPr>
+          <p:nvPr>
+            <p:ph idx="1"/>
+          </p:nvPr>
+        </p:nvSpPr>
+        <p:spPr/>
+        <p:txBody>
+          <a:bodyPr/>
+          <a:lstStyle/>
+          <a:p>
+            <a:r>
+              <a:rPr lang="it-IT" dirty="0" smtClean="0"/>
+              <a:t>Inoltre è anche possibile ritagliare e ruotare un’immagine</a:t>
+            </a:r>
+          </a:p>
+          <a:p>
+            <a:r>
+              <a:rPr lang="it-IT" dirty="0" smtClean="0"/>
+              <a:t>Di questo se ne è occupata Alessia </a:t>
+            </a:r>
+            <a:r>
+              <a:rPr lang="it-IT" dirty="0" err="1" smtClean="0"/>
+              <a:t>Birolini</a:t>
+            </a:r>
+            <a:r>
+              <a:rPr lang="it-IT" dirty="0" smtClean="0"/>
+              <a:t>, che ha creato varie funzioni nel programma.</a:t>
+            </a:r>
+            <a:endParaRPr lang="it-IT" dirty="0"/>
+          </a:p>
+        </p:txBody>
+      </p:sp>
+    </p:spTree>
+    <p:extLst>
+      <p:ext uri="{BB962C8B-B14F-4D97-AF65-F5344CB8AC3E}">
+        <p14:creationId xmlns:p14="http://schemas.microsoft.com/office/powerpoint/2010/main" val="2298769485"/>
+      </p:ext>
+    </p:extLst>
+  </p:cSld>
+  <p:clrMapOvr>
+    <a:masterClrMapping/>
+  </p:clrMapOvr>
+  <p:timing>
+    <p:tnLst>
+      <p:par>
+        <p:cTn id="1" dur="indefinite" restart="never" nodeType="tmRoot"/>
+      </p:par>
+    </p:tnLst>
+  </p:timing>
+</p:sld>
+</file>
+
+<file path=ppt/slides/slide6.xml><?xml version="1.0" encoding="utf-8"?>
+<p:sld xmlns:a="http://schemas.openxmlformats.org/drawingml/2006/main" xmlns:r="http://schemas.openxmlformats.org/officeDocument/2006/relationships" xmlns:p="http://schemas.openxmlformats.org/presentationml/2006/main">
+  <p:cSld>
     <p:bg>
       <p:bgPr>
         <a:solidFill>
@@ -7998,7 +8527,7 @@
                 <a16:creationId xmlns:a16="http://schemas.microsoft.com/office/drawing/2014/main" id="{D1B787A8-0D67-4B7E-9B48-86BD906AB6B5}"/>
               </a:ext>
               <a:ext uri="{C183D7F6-B498-43B3-948B-1728B52AA6E4}">
-                <adec:decorative xmlns:adec="http://schemas.microsoft.com/office/drawing/2017/decorative" xmlns="" val="1"/>
+                <adec:decorative xmlns="" xmlns:adec="http://schemas.microsoft.com/office/drawing/2017/decorative" val="1"/>
               </a:ext>
             </a:extLst>
           </p:cNvPr>
@@ -8060,7 +8589,7 @@
                 <a16:creationId xmlns:a16="http://schemas.microsoft.com/office/drawing/2014/main" id="{158B3569-73B2-4D05-8E95-886A6EE17F1F}"/>
               </a:ext>
               <a:ext uri="{C183D7F6-B498-43B3-948B-1728B52AA6E4}">
-                <adec:decorative xmlns:adec="http://schemas.microsoft.com/office/drawing/2017/decorative" xmlns="" val="1"/>
+                <adec:decorative xmlns="" xmlns:adec="http://schemas.microsoft.com/office/drawing/2017/decorative" val="1"/>
               </a:ext>
             </a:extLst>
           </p:cNvPr>
@@ -8208,7 +8737,7 @@
                 <a16:creationId xmlns:a16="http://schemas.microsoft.com/office/drawing/2014/main" id="{B71758F4-3F46-45DA-8AC5-4E508DA080BA}"/>
               </a:ext>
               <a:ext uri="{C183D7F6-B498-43B3-948B-1728B52AA6E4}">
-                <adec:decorative xmlns:adec="http://schemas.microsoft.com/office/drawing/2017/decorative" xmlns="" val="1"/>
+                <adec:decorative xmlns="" xmlns:adec="http://schemas.microsoft.com/office/drawing/2017/decorative" val="1"/>
               </a:ext>
             </a:extLst>
           </p:cNvPr>
@@ -8419,7 +8948,7 @@
                 <a16:creationId xmlns:a16="http://schemas.microsoft.com/office/drawing/2014/main" id="{56020367-4FD5-4596-8E10-C5F095CD8DBF}"/>
               </a:ext>
               <a:ext uri="{C183D7F6-B498-43B3-948B-1728B52AA6E4}">
-                <adec:decorative xmlns:adec="http://schemas.microsoft.com/office/drawing/2017/decorative" xmlns="" val="1"/>
+                <adec:decorative xmlns="" xmlns:adec="http://schemas.microsoft.com/office/drawing/2017/decorative" val="1"/>
               </a:ext>
             </a:extLst>
           </p:cNvPr>
@@ -8472,7 +9001,7 @@
                 <a16:creationId xmlns:a16="http://schemas.microsoft.com/office/drawing/2014/main" id="{8D61482F-F3C5-4D66-8C5D-C6BBE3E1275C}"/>
               </a:ext>
               <a:ext uri="{C183D7F6-B498-43B3-948B-1728B52AA6E4}">
-                <adec:decorative xmlns:adec="http://schemas.microsoft.com/office/drawing/2017/decorative" xmlns="" val="1"/>
+                <adec:decorative xmlns="" xmlns:adec="http://schemas.microsoft.com/office/drawing/2017/decorative" val="1"/>
               </a:ext>
             </a:extLst>
           </p:cNvPr>
@@ -8757,6 +9286,59 @@
                                         </p:tav>
                                       </p:tavLst>
                                     </p:anim>
+                                  </p:childTnLst>
+                                </p:cTn>
+                              </p:par>
+                            </p:childTnLst>
+                          </p:cTn>
+                        </p:par>
+                      </p:childTnLst>
+                    </p:cTn>
+                  </p:par>
+                  <p:par>
+                    <p:cTn id="10" fill="hold">
+                      <p:stCondLst>
+                        <p:cond delay="indefinite"/>
+                      </p:stCondLst>
+                      <p:childTnLst>
+                        <p:par>
+                          <p:cTn id="11" fill="hold">
+                            <p:stCondLst>
+                              <p:cond delay="0"/>
+                            </p:stCondLst>
+                            <p:childTnLst>
+                              <p:par>
+                                <p:cTn id="12" presetID="16" presetClass="entr" presetSubtype="21" fill="hold" nodeType="clickEffect">
+                                  <p:stCondLst>
+                                    <p:cond delay="0"/>
+                                  </p:stCondLst>
+                                  <p:childTnLst>
+                                    <p:set>
+                                      <p:cBhvr>
+                                        <p:cTn id="13" dur="1" fill="hold">
+                                          <p:stCondLst>
+                                            <p:cond delay="0"/>
+                                          </p:stCondLst>
+                                        </p:cTn>
+                                        <p:tgtEl>
+                                          <p:spTgt spid="3"/>
+                                        </p:tgtEl>
+                                        <p:attrNameLst>
+                                          <p:attrName>style.visibility</p:attrName>
+                                        </p:attrNameLst>
+                                      </p:cBhvr>
+                                      <p:to>
+                                        <p:strVal val="visible"/>
+                                      </p:to>
+                                    </p:set>
+                                    <p:animEffect transition="in" filter="barn(inVertical)">
+                                      <p:cBhvr>
+                                        <p:cTn id="14" dur="500"/>
+                                        <p:tgtEl>
+                                          <p:spTgt spid="3"/>
+                                        </p:tgtEl>
+                                      </p:cBhvr>
+                                    </p:animEffect>
                                   </p:childTnLst>
                                 </p:cTn>
                               </p:par>
